--- a/有趣的汉字.pptx
+++ b/有趣的汉字.pptx
@@ -6,6 +6,7 @@
   </p:sldMasterIdLst>
   <p:sldIdLst>
     <p:sldId id="256" r:id="rId2"/>
+    <p:sldId id="257" r:id="rId3"/>
   </p:sldIdLst>
   <p:sldSz cx="9144000" cy="6858000" type="screen4x3"/>
   <p:notesSz cx="6858000" cy="9144000"/>
@@ -4105,7 +4106,20 @@
           <a:bodyPr/>
           <a:lstStyle/>
           <a:p>
-            <a:endParaRPr kumimoji="1" lang="zh-CN" altLang="en-US"/>
+            <a:endParaRPr kumimoji="1" lang="en-US" altLang="zh-CN" dirty="0" smtClean="0"/>
+          </a:p>
+          <a:p>
+            <a:endParaRPr kumimoji="1" lang="en-US" altLang="zh-CN" dirty="0"/>
+          </a:p>
+          <a:p>
+            <a:endParaRPr kumimoji="1" lang="en-US" altLang="zh-CN" dirty="0" smtClean="0"/>
+          </a:p>
+          <a:p>
+            <a:r>
+              <a:rPr kumimoji="1" lang="en-US" altLang="zh-CN" dirty="0"/>
+              <a:t> </a:t>
+            </a:r>
+            <a:endParaRPr kumimoji="1" lang="zh-CN" altLang="en-US" dirty="0"/>
           </a:p>
         </p:txBody>
       </p:sp>
@@ -4126,6 +4140,146 @@
       </p:par>
     </p:tnLst>
   </p:timing>
+</p:sld>
+</file>
+
+<file path=ppt/slides/slide2.xml><?xml version="1.0" encoding="utf-8"?>
+<p:sld xmlns:a="http://schemas.openxmlformats.org/drawingml/2006/main" xmlns:r="http://schemas.openxmlformats.org/officeDocument/2006/relationships" xmlns:p="http://schemas.openxmlformats.org/presentationml/2006/main">
+  <p:cSld>
+    <p:spTree>
+      <p:nvGrpSpPr>
+        <p:cNvPr id="1" name=""/>
+        <p:cNvGrpSpPr/>
+        <p:nvPr/>
+      </p:nvGrpSpPr>
+      <p:grpSpPr>
+        <a:xfrm>
+          <a:off x="0" y="0"/>
+          <a:ext cx="0" cy="0"/>
+          <a:chOff x="0" y="0"/>
+          <a:chExt cx="0" cy="0"/>
+        </a:xfrm>
+      </p:grpSpPr>
+      <p:sp>
+        <p:nvSpPr>
+          <p:cNvPr id="2" name="标题 1"/>
+          <p:cNvSpPr>
+            <a:spLocks noGrp="1"/>
+          </p:cNvSpPr>
+          <p:nvPr>
+            <p:ph type="title"/>
+          </p:nvPr>
+        </p:nvSpPr>
+        <p:spPr/>
+        <p:txBody>
+          <a:bodyPr/>
+          <a:lstStyle/>
+          <a:p>
+            <a:r>
+              <a:rPr kumimoji="1" lang="zh-CN" altLang="en-US" dirty="0" smtClean="0"/>
+              <a:t>汉字“时间线”</a:t>
+            </a:r>
+            <a:endParaRPr kumimoji="1" lang="zh-CN" altLang="en-US" dirty="0"/>
+          </a:p>
+        </p:txBody>
+      </p:sp>
+      <p:sp>
+        <p:nvSpPr>
+          <p:cNvPr id="3" name="内容占位符 2"/>
+          <p:cNvSpPr>
+            <a:spLocks noGrp="1"/>
+          </p:cNvSpPr>
+          <p:nvPr>
+            <p:ph idx="1"/>
+          </p:nvPr>
+        </p:nvSpPr>
+        <p:spPr/>
+        <p:txBody>
+          <a:bodyPr/>
+          <a:lstStyle/>
+          <a:p>
+            <a:r>
+              <a:rPr kumimoji="1" lang="en-US" altLang="zh-CN" dirty="0" smtClean="0"/>
+              <a:t>1:</a:t>
+            </a:r>
+            <a:r>
+              <a:rPr lang="zh-CN" altLang="en-US" b="1" dirty="0"/>
+              <a:t>甲骨</a:t>
+            </a:r>
+            <a:r>
+              <a:rPr lang="zh-CN" altLang="en-US" b="1" dirty="0" smtClean="0"/>
+              <a:t>文</a:t>
+            </a:r>
+            <a:endParaRPr lang="en-US" altLang="zh-CN" b="1" dirty="0" smtClean="0"/>
+          </a:p>
+          <a:p>
+            <a:r>
+              <a:rPr lang="zh-CN" altLang="zh-CN" b="1" dirty="0" smtClean="0"/>
+              <a:t>2</a:t>
+            </a:r>
+            <a:r>
+              <a:rPr lang="en-US" altLang="zh-CN" b="1" dirty="0" smtClean="0"/>
+              <a:t>:</a:t>
+            </a:r>
+            <a:r>
+              <a:rPr lang="zh-CN" altLang="en-US" b="1" dirty="0"/>
+              <a:t>金文</a:t>
+            </a:r>
+          </a:p>
+          <a:p>
+            <a:r>
+              <a:rPr lang="zh-CN" altLang="zh-CN" b="1" dirty="0" smtClean="0"/>
+              <a:t>3</a:t>
+            </a:r>
+            <a:r>
+              <a:rPr lang="en-US" altLang="zh-CN" b="1" dirty="0" smtClean="0"/>
+              <a:t>:</a:t>
+            </a:r>
+            <a:r>
+              <a:rPr lang="zh-CN" altLang="en-US" b="1" dirty="0" smtClean="0"/>
+              <a:t>大篆</a:t>
+            </a:r>
+            <a:endParaRPr lang="en-US" altLang="zh-CN" b="1" dirty="0" smtClean="0"/>
+          </a:p>
+          <a:p>
+            <a:r>
+              <a:rPr lang="en-US" altLang="zh-CN" b="1" dirty="0" smtClean="0"/>
+              <a:t>4:</a:t>
+            </a:r>
+            <a:r>
+              <a:rPr lang="zh-CN" altLang="en-US" b="1" dirty="0" smtClean="0"/>
+              <a:t>隶书</a:t>
+            </a:r>
+            <a:endParaRPr lang="zh-CN" altLang="en-US" b="1" dirty="0"/>
+          </a:p>
+          <a:p>
+            <a:r>
+              <a:rPr lang="en-US" altLang="zh-CN" b="1" dirty="0" smtClean="0"/>
+              <a:t>5:</a:t>
+            </a:r>
+            <a:r>
+              <a:rPr lang="zh-CN" altLang="en-US" b="1" dirty="0"/>
+              <a:t>楷书</a:t>
+            </a:r>
+          </a:p>
+          <a:p>
+            <a:endParaRPr lang="zh-CN" altLang="en-US" b="1" dirty="0"/>
+          </a:p>
+          <a:p>
+            <a:endParaRPr kumimoji="1" lang="zh-CN" altLang="en-US" dirty="0"/>
+          </a:p>
+        </p:txBody>
+      </p:sp>
+    </p:spTree>
+    <p:extLst>
+      <p:ext uri="{BB962C8B-B14F-4D97-AF65-F5344CB8AC3E}">
+        <p14:creationId xmlns:p14="http://schemas.microsoft.com/office/powerpoint/2010/main" val="1022695890"/>
+      </p:ext>
+    </p:extLst>
+  </p:cSld>
+  <p:clrMapOvr>
+    <a:masterClrMapping/>
+  </p:clrMapOvr>
 </p:sld>
 </file>
 

--- a/有趣的汉字.pptx
+++ b/有趣的汉字.pptx
@@ -7,6 +7,10 @@
   <p:sldIdLst>
     <p:sldId id="256" r:id="rId2"/>
     <p:sldId id="257" r:id="rId3"/>
+    <p:sldId id="258" r:id="rId4"/>
+    <p:sldId id="259" r:id="rId5"/>
+    <p:sldId id="260" r:id="rId6"/>
+    <p:sldId id="261" r:id="rId7"/>
   </p:sldIdLst>
   <p:sldSz cx="9144000" cy="6858000" type="screen4x3"/>
   <p:notesSz cx="6858000" cy="9144000"/>
@@ -4283,6 +4287,720 @@
 </p:sld>
 </file>
 
+<file path=ppt/slides/slide3.xml><?xml version="1.0" encoding="utf-8"?>
+<p:sld xmlns:a="http://schemas.openxmlformats.org/drawingml/2006/main" xmlns:r="http://schemas.openxmlformats.org/officeDocument/2006/relationships" xmlns:p="http://schemas.openxmlformats.org/presentationml/2006/main">
+  <p:cSld>
+    <p:spTree>
+      <p:nvGrpSpPr>
+        <p:cNvPr id="1" name=""/>
+        <p:cNvGrpSpPr/>
+        <p:nvPr/>
+      </p:nvGrpSpPr>
+      <p:grpSpPr>
+        <a:xfrm>
+          <a:off x="0" y="0"/>
+          <a:ext cx="0" cy="0"/>
+          <a:chOff x="0" y="0"/>
+          <a:chExt cx="0" cy="0"/>
+        </a:xfrm>
+      </p:grpSpPr>
+      <p:sp>
+        <p:nvSpPr>
+          <p:cNvPr id="2" name="标题 1"/>
+          <p:cNvSpPr>
+            <a:spLocks noGrp="1"/>
+          </p:cNvSpPr>
+          <p:nvPr>
+            <p:ph type="title"/>
+          </p:nvPr>
+        </p:nvSpPr>
+        <p:spPr/>
+        <p:txBody>
+          <a:bodyPr/>
+          <a:lstStyle/>
+          <a:p>
+            <a:r>
+              <a:rPr kumimoji="1" lang="zh-CN" altLang="en-US" dirty="0"/>
+              <a:t>甲骨文</a:t>
+            </a:r>
+            <a:br>
+              <a:rPr kumimoji="1" lang="zh-CN" altLang="en-US" dirty="0"/>
+            </a:br>
+            <a:endParaRPr kumimoji="1" lang="zh-CN" altLang="en-US" dirty="0"/>
+          </a:p>
+        </p:txBody>
+      </p:sp>
+      <p:sp>
+        <p:nvSpPr>
+          <p:cNvPr id="3" name="内容占位符 2"/>
+          <p:cNvSpPr>
+            <a:spLocks noGrp="1"/>
+          </p:cNvSpPr>
+          <p:nvPr>
+            <p:ph idx="1"/>
+          </p:nvPr>
+        </p:nvSpPr>
+        <p:spPr/>
+        <p:txBody>
+          <a:bodyPr>
+            <a:normAutofit fontScale="92500" lnSpcReduction="10000"/>
+          </a:bodyPr>
+          <a:lstStyle/>
+          <a:p>
+            <a:endParaRPr kumimoji="1" lang="zh-CN" altLang="en-US" dirty="0"/>
+          </a:p>
+          <a:p>
+            <a:r>
+              <a:rPr kumimoji="1" lang="zh-CN" altLang="en-US" dirty="0" smtClean="0"/>
+              <a:t>要指</a:t>
+            </a:r>
+            <a:r>
+              <a:rPr kumimoji="1" lang="zh-CN" altLang="en-US" dirty="0"/>
+              <a:t>殷墟甲骨文，是中国商代后期（前</a:t>
+            </a:r>
+            <a:r>
+              <a:rPr kumimoji="1" lang="en-US" altLang="zh-CN" dirty="0"/>
+              <a:t>14</a:t>
+            </a:r>
+            <a:r>
+              <a:rPr kumimoji="1" lang="zh-CN" altLang="en-US" dirty="0"/>
+              <a:t>～前</a:t>
+            </a:r>
+            <a:r>
+              <a:rPr kumimoji="1" lang="en-US" altLang="zh-CN" dirty="0"/>
+              <a:t>11</a:t>
+            </a:r>
+            <a:r>
+              <a:rPr kumimoji="1" lang="zh-CN" altLang="en-US" dirty="0"/>
+              <a:t>世纪）王室用于占卜记事而刻（或写）在龟甲和兽骨上的文字。</a:t>
+            </a:r>
+          </a:p>
+          <a:p>
+            <a:r>
+              <a:rPr kumimoji="1" lang="zh-CN" altLang="en-US" dirty="0"/>
+              <a:t>发现有大约</a:t>
+            </a:r>
+            <a:r>
+              <a:rPr kumimoji="1" lang="en-US" altLang="zh-CN" dirty="0"/>
+              <a:t>15</a:t>
+            </a:r>
+            <a:r>
+              <a:rPr kumimoji="1" lang="zh-CN" altLang="en-US" dirty="0"/>
+              <a:t>万片甲骨，</a:t>
+            </a:r>
+            <a:r>
+              <a:rPr kumimoji="1" lang="en-US" altLang="zh-CN" dirty="0"/>
+              <a:t>4500</a:t>
+            </a:r>
+            <a:r>
+              <a:rPr kumimoji="1" lang="zh-CN" altLang="en-US" dirty="0"/>
+              <a:t>多个单字。这些甲骨文所记载的内容极为丰富，涉及到商代社会生活的诸多方面，不仅包括政治、军事、文化、社会习俗等内容，而且涉及天文、历法、医药等科学技术。从甲骨文已识别的约</a:t>
+            </a:r>
+            <a:r>
+              <a:rPr kumimoji="1" lang="en-US" altLang="zh-CN" dirty="0"/>
+              <a:t>1500</a:t>
+            </a:r>
+            <a:r>
+              <a:rPr kumimoji="1" lang="zh-CN" altLang="en-US" dirty="0"/>
+              <a:t>个单字来看，它已具备了“象形、会意、形声、指事、转注、假借”的造字方法，展现了中国文字的独特魅力。中国商代和西周早期（约公元前</a:t>
+            </a:r>
+            <a:r>
+              <a:rPr kumimoji="1" lang="en-US" altLang="zh-CN" dirty="0"/>
+              <a:t>16</a:t>
+            </a:r>
+            <a:r>
+              <a:rPr kumimoji="1" lang="zh-CN" altLang="en-US" dirty="0"/>
+              <a:t>～前</a:t>
+            </a:r>
+            <a:r>
+              <a:rPr kumimoji="1" lang="en-US" altLang="zh-CN" dirty="0"/>
+              <a:t>10</a:t>
+            </a:r>
+            <a:r>
+              <a:rPr kumimoji="1" lang="zh-CN" altLang="en-US" dirty="0"/>
+              <a:t>世纪）以龟甲、兽骨为载体的文献</a:t>
+            </a:r>
+          </a:p>
+        </p:txBody>
+      </p:sp>
+    </p:spTree>
+    <p:extLst>
+      <p:ext uri="{BB962C8B-B14F-4D97-AF65-F5344CB8AC3E}">
+        <p14:creationId xmlns:p14="http://schemas.microsoft.com/office/powerpoint/2010/main" val="3009572120"/>
+      </p:ext>
+    </p:extLst>
+  </p:cSld>
+  <p:clrMapOvr>
+    <a:masterClrMapping/>
+  </p:clrMapOvr>
+</p:sld>
+</file>
+
+<file path=ppt/slides/slide4.xml><?xml version="1.0" encoding="utf-8"?>
+<p:sld xmlns:a="http://schemas.openxmlformats.org/drawingml/2006/main" xmlns:r="http://schemas.openxmlformats.org/officeDocument/2006/relationships" xmlns:p="http://schemas.openxmlformats.org/presentationml/2006/main">
+  <p:cSld>
+    <p:spTree>
+      <p:nvGrpSpPr>
+        <p:cNvPr id="1" name=""/>
+        <p:cNvGrpSpPr/>
+        <p:nvPr/>
+      </p:nvGrpSpPr>
+      <p:grpSpPr>
+        <a:xfrm>
+          <a:off x="0" y="0"/>
+          <a:ext cx="0" cy="0"/>
+          <a:chOff x="0" y="0"/>
+          <a:chExt cx="0" cy="0"/>
+        </a:xfrm>
+      </p:grpSpPr>
+      <p:sp>
+        <p:nvSpPr>
+          <p:cNvPr id="2" name="标题 1"/>
+          <p:cNvSpPr>
+            <a:spLocks noGrp="1"/>
+          </p:cNvSpPr>
+          <p:nvPr>
+            <p:ph type="title"/>
+          </p:nvPr>
+        </p:nvSpPr>
+        <p:spPr/>
+        <p:txBody>
+          <a:bodyPr/>
+          <a:lstStyle/>
+          <a:p>
+            <a:r>
+              <a:rPr lang="zh-CN" altLang="en-US" b="1" dirty="0"/>
+              <a:t>金文</a:t>
+            </a:r>
+            <a:br>
+              <a:rPr lang="zh-CN" altLang="en-US" b="1" dirty="0"/>
+            </a:br>
+            <a:endParaRPr kumimoji="1" lang="zh-CN" altLang="en-US" dirty="0"/>
+          </a:p>
+        </p:txBody>
+      </p:sp>
+      <p:sp>
+        <p:nvSpPr>
+          <p:cNvPr id="3" name="内容占位符 2"/>
+          <p:cNvSpPr>
+            <a:spLocks noGrp="1"/>
+          </p:cNvSpPr>
+          <p:nvPr>
+            <p:ph idx="1"/>
+          </p:nvPr>
+        </p:nvSpPr>
+        <p:spPr/>
+        <p:txBody>
+          <a:bodyPr/>
+          <a:lstStyle/>
+          <a:p>
+            <a:r>
+              <a:rPr lang="zh-CN" altLang="en-US" dirty="0"/>
+              <a:t>所谓青铜，就是铜和锡的合金。中国在夏代就已进入</a:t>
+            </a:r>
+            <a:r>
+              <a:rPr lang="zh-CN" altLang="en-US" dirty="0">
+                <a:hlinkClick r:id="rId2"/>
+              </a:rPr>
+              <a:t>青铜时代</a:t>
+            </a:r>
+            <a:r>
+              <a:rPr lang="zh-CN" altLang="en-US" dirty="0"/>
+              <a:t>，铜的冶炼和铜器的制造十分发达。因为周以前把铜也叫金，所以铜器上的铭文就叫作“金文”或“吉金文字”；又因为这类铜器以钟鼎上的字数最多，所以过去又叫作“钟鼎文”。</a:t>
+            </a:r>
+          </a:p>
+          <a:p>
+            <a:r>
+              <a:rPr lang="zh-CN" altLang="en-US" dirty="0"/>
+              <a:t>金文应用的年代，上自商代的早期，下至秦灭六国，约</a:t>
+            </a:r>
+            <a:r>
+              <a:rPr lang="en-US" altLang="zh-CN" dirty="0"/>
+              <a:t>1200</a:t>
+            </a:r>
+            <a:r>
+              <a:rPr lang="zh-CN" altLang="en-US" dirty="0"/>
+              <a:t>多年。金文的字数，据</a:t>
+            </a:r>
+            <a:r>
+              <a:rPr lang="zh-CN" altLang="en-US" dirty="0">
+                <a:hlinkClick r:id="rId3"/>
+              </a:rPr>
+              <a:t>容庚</a:t>
+            </a:r>
+            <a:r>
+              <a:rPr lang="en-US" altLang="zh-CN" dirty="0"/>
+              <a:t>《</a:t>
+            </a:r>
+            <a:r>
+              <a:rPr lang="zh-CN" altLang="en-US" dirty="0"/>
+              <a:t>金文编</a:t>
+            </a:r>
+            <a:r>
+              <a:rPr lang="en-US" altLang="zh-CN" dirty="0"/>
+              <a:t>》</a:t>
+            </a:r>
+            <a:r>
+              <a:rPr lang="zh-CN" altLang="en-US" dirty="0"/>
+              <a:t>记载，共计</a:t>
+            </a:r>
+            <a:r>
+              <a:rPr lang="en-US" altLang="zh-CN" dirty="0"/>
+              <a:t>3722</a:t>
+            </a:r>
+            <a:r>
+              <a:rPr lang="zh-CN" altLang="en-US" dirty="0"/>
+              <a:t>个，其中可以识别的字有</a:t>
+            </a:r>
+            <a:r>
+              <a:rPr lang="en-US" altLang="zh-CN" dirty="0"/>
+              <a:t>2420</a:t>
+            </a:r>
+            <a:r>
+              <a:rPr lang="zh-CN" altLang="en-US" dirty="0"/>
+              <a:t>个。</a:t>
+            </a:r>
+          </a:p>
+          <a:p>
+            <a:endParaRPr kumimoji="1" lang="zh-CN" altLang="en-US" dirty="0"/>
+          </a:p>
+        </p:txBody>
+      </p:sp>
+    </p:spTree>
+    <p:extLst>
+      <p:ext uri="{BB962C8B-B14F-4D97-AF65-F5344CB8AC3E}">
+        <p14:creationId xmlns:p14="http://schemas.microsoft.com/office/powerpoint/2010/main" val="1473954366"/>
+      </p:ext>
+    </p:extLst>
+  </p:cSld>
+  <p:clrMapOvr>
+    <a:masterClrMapping/>
+  </p:clrMapOvr>
+</p:sld>
+</file>
+
+<file path=ppt/slides/slide5.xml><?xml version="1.0" encoding="utf-8"?>
+<p:sld xmlns:a="http://schemas.openxmlformats.org/drawingml/2006/main" xmlns:r="http://schemas.openxmlformats.org/officeDocument/2006/relationships" xmlns:p="http://schemas.openxmlformats.org/presentationml/2006/main">
+  <p:cSld>
+    <p:spTree>
+      <p:nvGrpSpPr>
+        <p:cNvPr id="1" name=""/>
+        <p:cNvGrpSpPr/>
+        <p:nvPr/>
+      </p:nvGrpSpPr>
+      <p:grpSpPr>
+        <a:xfrm>
+          <a:off x="0" y="0"/>
+          <a:ext cx="0" cy="0"/>
+          <a:chOff x="0" y="0"/>
+          <a:chExt cx="0" cy="0"/>
+        </a:xfrm>
+      </p:grpSpPr>
+      <p:sp>
+        <p:nvSpPr>
+          <p:cNvPr id="2" name="标题 1"/>
+          <p:cNvSpPr>
+            <a:spLocks noGrp="1"/>
+          </p:cNvSpPr>
+          <p:nvPr>
+            <p:ph type="title"/>
+          </p:nvPr>
+        </p:nvSpPr>
+        <p:spPr/>
+        <p:txBody>
+          <a:bodyPr/>
+          <a:lstStyle/>
+          <a:p>
+            <a:r>
+              <a:rPr lang="zh-CN" altLang="en-US" b="1" dirty="0"/>
+              <a:t>大篆</a:t>
+            </a:r>
+            <a:br>
+              <a:rPr lang="zh-CN" altLang="en-US" b="1" dirty="0"/>
+            </a:br>
+            <a:endParaRPr kumimoji="1" lang="zh-CN" altLang="en-US" dirty="0"/>
+          </a:p>
+        </p:txBody>
+      </p:sp>
+      <p:sp>
+        <p:nvSpPr>
+          <p:cNvPr id="3" name="内容占位符 2"/>
+          <p:cNvSpPr>
+            <a:spLocks noGrp="1"/>
+          </p:cNvSpPr>
+          <p:nvPr>
+            <p:ph idx="1"/>
+          </p:nvPr>
+        </p:nvSpPr>
+        <p:spPr/>
+        <p:txBody>
+          <a:bodyPr/>
+          <a:lstStyle/>
+          <a:p>
+            <a:r>
+              <a:rPr lang="zh-CN" altLang="en-US" dirty="0"/>
+              <a:t>大篆起于</a:t>
+            </a:r>
+            <a:r>
+              <a:rPr lang="zh-CN" altLang="en-US" dirty="0">
+                <a:hlinkClick r:id="rId2"/>
+              </a:rPr>
+              <a:t>西周</a:t>
+            </a:r>
+            <a:r>
+              <a:rPr lang="zh-CN" altLang="en-US" dirty="0"/>
+              <a:t>晚年，</a:t>
+            </a:r>
+            <a:r>
+              <a:rPr lang="zh-CN" altLang="en-US" dirty="0">
+                <a:hlinkClick r:id="rId3"/>
+              </a:rPr>
+              <a:t>春秋战国</a:t>
+            </a:r>
+            <a:r>
+              <a:rPr lang="zh-CN" altLang="en-US" dirty="0"/>
+              <a:t>时期行于</a:t>
+            </a:r>
+            <a:r>
+              <a:rPr lang="zh-CN" altLang="en-US" dirty="0">
+                <a:hlinkClick r:id="rId4"/>
+              </a:rPr>
+              <a:t>秦国</a:t>
+            </a:r>
+            <a:r>
+              <a:rPr lang="zh-CN" altLang="en-US" dirty="0"/>
+              <a:t>。字体与秦篆相近，但字形的构形多重叠。代表为今存的</a:t>
+            </a:r>
+            <a:r>
+              <a:rPr lang="zh-CN" altLang="en-US" dirty="0">
+                <a:hlinkClick r:id="rId5"/>
+              </a:rPr>
+              <a:t>石鼓文</a:t>
+            </a:r>
+            <a:r>
+              <a:rPr lang="zh-CN" altLang="en-US" dirty="0"/>
+              <a:t>，以周宣王时的太史籀所书而得名。他在原有文字的基础上进行了改革，因刻于石鼓上而得名，是流传至今最早的刻石文字，为石刻之祖。</a:t>
+            </a:r>
+            <a:endParaRPr kumimoji="1" lang="zh-CN" altLang="en-US" dirty="0"/>
+          </a:p>
+        </p:txBody>
+      </p:sp>
+    </p:spTree>
+    <p:extLst>
+      <p:ext uri="{BB962C8B-B14F-4D97-AF65-F5344CB8AC3E}">
+        <p14:creationId xmlns:p14="http://schemas.microsoft.com/office/powerpoint/2010/main" val="2185734763"/>
+      </p:ext>
+    </p:extLst>
+  </p:cSld>
+  <p:clrMapOvr>
+    <a:masterClrMapping/>
+  </p:clrMapOvr>
+</p:sld>
+</file>
+
+<file path=ppt/slides/slide6.xml><?xml version="1.0" encoding="utf-8"?>
+<p:sld xmlns:a="http://schemas.openxmlformats.org/drawingml/2006/main" xmlns:r="http://schemas.openxmlformats.org/officeDocument/2006/relationships" xmlns:p="http://schemas.openxmlformats.org/presentationml/2006/main">
+  <p:cSld>
+    <p:spTree>
+      <p:nvGrpSpPr>
+        <p:cNvPr id="1" name=""/>
+        <p:cNvGrpSpPr/>
+        <p:nvPr/>
+      </p:nvGrpSpPr>
+      <p:grpSpPr>
+        <a:xfrm>
+          <a:off x="0" y="0"/>
+          <a:ext cx="0" cy="0"/>
+          <a:chOff x="0" y="0"/>
+          <a:chExt cx="0" cy="0"/>
+        </a:xfrm>
+      </p:grpSpPr>
+      <p:sp>
+        <p:nvSpPr>
+          <p:cNvPr id="2" name="标题 1"/>
+          <p:cNvSpPr>
+            <a:spLocks noGrp="1"/>
+          </p:cNvSpPr>
+          <p:nvPr>
+            <p:ph type="title"/>
+          </p:nvPr>
+        </p:nvSpPr>
+        <p:spPr/>
+        <p:txBody>
+          <a:bodyPr/>
+          <a:lstStyle/>
+          <a:p>
+            <a:r>
+              <a:rPr lang="zh-CN" altLang="en-US" b="1" dirty="0"/>
+              <a:t>楷书</a:t>
+            </a:r>
+            <a:br>
+              <a:rPr lang="zh-CN" altLang="en-US" b="1" dirty="0"/>
+            </a:br>
+            <a:endParaRPr kumimoji="1" lang="zh-CN" altLang="en-US" dirty="0"/>
+          </a:p>
+        </p:txBody>
+      </p:sp>
+      <p:sp>
+        <p:nvSpPr>
+          <p:cNvPr id="3" name="内容占位符 2"/>
+          <p:cNvSpPr>
+            <a:spLocks noGrp="1"/>
+          </p:cNvSpPr>
+          <p:nvPr>
+            <p:ph idx="1"/>
+          </p:nvPr>
+        </p:nvSpPr>
+        <p:spPr/>
+        <p:txBody>
+          <a:bodyPr/>
+          <a:lstStyle/>
+          <a:p>
+            <a:r>
+              <a:rPr lang="zh-CN" altLang="en-US" dirty="0"/>
+              <a:t>楷书又称</a:t>
+            </a:r>
+            <a:r>
+              <a:rPr lang="zh-CN" altLang="en-US" dirty="0">
+                <a:hlinkClick r:id="rId2"/>
+              </a:rPr>
+              <a:t>正书</a:t>
+            </a:r>
+            <a:r>
+              <a:rPr lang="zh-CN" altLang="en-US" dirty="0"/>
+              <a:t>，或</a:t>
+            </a:r>
+            <a:r>
+              <a:rPr lang="zh-CN" altLang="en-US" dirty="0">
+                <a:hlinkClick r:id="rId3"/>
+              </a:rPr>
+              <a:t>真书</a:t>
+            </a:r>
+            <a:r>
+              <a:rPr lang="zh-CN" altLang="en-US" dirty="0"/>
+              <a:t>，始于东汉。其特点是：形体方正，笔画平直，可作楷模，故名。楷书的名家很多，创造出许多有代表性的字体，如“</a:t>
+            </a:r>
+            <a:r>
+              <a:rPr lang="zh-CN" altLang="en-US" dirty="0">
+                <a:hlinkClick r:id="rId4"/>
+              </a:rPr>
+              <a:t>欧体</a:t>
+            </a:r>
+            <a:r>
+              <a:rPr lang="zh-CN" altLang="en-US" dirty="0"/>
+              <a:t>”（唐</a:t>
+            </a:r>
+            <a:r>
+              <a:rPr lang="en-US" altLang="zh-CN" dirty="0"/>
+              <a:t>·</a:t>
+            </a:r>
+            <a:r>
+              <a:rPr lang="zh-CN" altLang="en-US" dirty="0">
+                <a:hlinkClick r:id="rId5"/>
+              </a:rPr>
+              <a:t>欧阳询</a:t>
+            </a:r>
+            <a:r>
+              <a:rPr lang="zh-CN" altLang="en-US" dirty="0"/>
+              <a:t>）、“虞体”（唐</a:t>
+            </a:r>
+            <a:r>
+              <a:rPr lang="en-US" altLang="zh-CN" dirty="0"/>
+              <a:t>·</a:t>
+            </a:r>
+            <a:r>
+              <a:rPr lang="zh-CN" altLang="en-US" dirty="0">
+                <a:hlinkClick r:id="rId6"/>
+              </a:rPr>
+              <a:t>虞世南</a:t>
+            </a:r>
+            <a:r>
+              <a:rPr lang="zh-CN" altLang="en-US" dirty="0"/>
+              <a:t>）、“</a:t>
+            </a:r>
+            <a:r>
+              <a:rPr lang="zh-CN" altLang="en-US" dirty="0">
+                <a:hlinkClick r:id="rId7"/>
+              </a:rPr>
+              <a:t>颜体</a:t>
+            </a:r>
+            <a:r>
+              <a:rPr lang="zh-CN" altLang="en-US" dirty="0"/>
+              <a:t>”（唐</a:t>
+            </a:r>
+            <a:r>
+              <a:rPr lang="en-US" altLang="zh-CN" dirty="0"/>
+              <a:t>·</a:t>
+            </a:r>
+            <a:r>
+              <a:rPr lang="zh-CN" altLang="en-US" dirty="0">
+                <a:hlinkClick r:id="rId8"/>
+              </a:rPr>
+              <a:t>颜真卿</a:t>
+            </a:r>
+            <a:r>
+              <a:rPr lang="zh-CN" altLang="en-US" dirty="0"/>
+              <a:t>）、“</a:t>
+            </a:r>
+            <a:r>
+              <a:rPr lang="zh-CN" altLang="en-US" dirty="0">
+                <a:hlinkClick r:id="rId9"/>
+              </a:rPr>
+              <a:t>柳体</a:t>
+            </a:r>
+            <a:r>
+              <a:rPr lang="zh-CN" altLang="en-US" dirty="0"/>
+              <a:t>”（唐</a:t>
+            </a:r>
+            <a:r>
+              <a:rPr lang="en-US" altLang="zh-CN" dirty="0"/>
+              <a:t>·</a:t>
+            </a:r>
+            <a:r>
+              <a:rPr lang="zh-CN" altLang="en-US" dirty="0">
+                <a:hlinkClick r:id="rId10"/>
+              </a:rPr>
+              <a:t>柳公权</a:t>
+            </a:r>
+            <a:r>
+              <a:rPr lang="zh-CN" altLang="en-US" dirty="0"/>
+              <a:t>）、“</a:t>
+            </a:r>
+            <a:r>
+              <a:rPr lang="zh-CN" altLang="en-US" dirty="0">
+                <a:hlinkClick r:id="rId11"/>
+              </a:rPr>
+              <a:t>赵体</a:t>
+            </a:r>
+            <a:r>
+              <a:rPr lang="zh-CN" altLang="en-US" dirty="0"/>
+              <a:t>”（宋元</a:t>
+            </a:r>
+            <a:r>
+              <a:rPr lang="en-US" altLang="zh-CN" dirty="0"/>
+              <a:t>·</a:t>
+            </a:r>
+            <a:r>
+              <a:rPr lang="zh-CN" altLang="en-US" dirty="0">
+                <a:hlinkClick r:id="rId12"/>
+              </a:rPr>
+              <a:t>赵孟頫</a:t>
+            </a:r>
+            <a:r>
+              <a:rPr lang="zh-CN" altLang="en-US" dirty="0"/>
+              <a:t>）等。 初期楷书仍残留极少的隶笔，结体略宽，横画长而直画短。在传世的魏晋帖中，如</a:t>
+            </a:r>
+            <a:r>
+              <a:rPr lang="zh-CN" altLang="en-US" dirty="0">
+                <a:hlinkClick r:id="rId13"/>
+              </a:rPr>
+              <a:t>锺繇</a:t>
+            </a:r>
+            <a:r>
+              <a:rPr lang="zh-CN" altLang="en-US" dirty="0"/>
+              <a:t>的</a:t>
+            </a:r>
+            <a:r>
+              <a:rPr lang="en-US" altLang="zh-CN" dirty="0"/>
+              <a:t>《</a:t>
+            </a:r>
+            <a:r>
+              <a:rPr lang="zh-CN" altLang="en-US" dirty="0">
+                <a:hlinkClick r:id="rId14"/>
+              </a:rPr>
+              <a:t>宣示表</a:t>
+            </a:r>
+            <a:r>
+              <a:rPr lang="en-US" altLang="zh-CN" dirty="0"/>
+              <a:t>》</a:t>
+            </a:r>
+            <a:r>
+              <a:rPr lang="zh-CN" altLang="en-US" dirty="0"/>
+              <a:t>、</a:t>
+            </a:r>
+            <a:r>
+              <a:rPr lang="en-US" altLang="zh-CN" dirty="0"/>
+              <a:t>《</a:t>
+            </a:r>
+            <a:r>
+              <a:rPr lang="zh-CN" altLang="en-US" dirty="0">
+                <a:hlinkClick r:id="rId15"/>
+              </a:rPr>
+              <a:t>荐季直表</a:t>
+            </a:r>
+            <a:r>
+              <a:rPr lang="en-US" altLang="zh-CN" dirty="0"/>
+              <a:t>》</a:t>
+            </a:r>
+            <a:r>
+              <a:rPr lang="zh-CN" altLang="en-US" dirty="0"/>
+              <a:t>、</a:t>
+            </a:r>
+            <a:r>
+              <a:rPr lang="zh-CN" altLang="en-US" dirty="0">
+                <a:hlinkClick r:id="rId16"/>
+              </a:rPr>
+              <a:t>王羲之</a:t>
+            </a:r>
+            <a:r>
+              <a:rPr lang="zh-CN" altLang="en-US" dirty="0"/>
+              <a:t>的</a:t>
+            </a:r>
+            <a:r>
+              <a:rPr lang="en-US" altLang="zh-CN" dirty="0"/>
+              <a:t>《</a:t>
+            </a:r>
+            <a:r>
+              <a:rPr lang="zh-CN" altLang="en-US" dirty="0">
+                <a:hlinkClick r:id="rId17"/>
+              </a:rPr>
+              <a:t>乐毅论</a:t>
+            </a:r>
+            <a:r>
+              <a:rPr lang="en-US" altLang="zh-CN" dirty="0"/>
+              <a:t>》《</a:t>
+            </a:r>
+            <a:r>
+              <a:rPr lang="zh-CN" altLang="en-US" dirty="0">
+                <a:hlinkClick r:id="rId18"/>
+              </a:rPr>
+              <a:t>黄庭经</a:t>
+            </a:r>
+            <a:r>
+              <a:rPr lang="en-US" altLang="zh-CN" dirty="0"/>
+              <a:t>》</a:t>
+            </a:r>
+            <a:r>
+              <a:rPr lang="zh-CN" altLang="en-US"/>
+              <a:t>等，可为代表作。观其特点，正如</a:t>
+            </a:r>
+            <a:r>
+              <a:rPr lang="zh-CN" altLang="en-US">
+                <a:hlinkClick r:id="rId19"/>
+              </a:rPr>
+              <a:t>翁方纲</a:t>
+            </a:r>
+            <a:r>
+              <a:rPr lang="zh-CN" altLang="en-US"/>
+              <a:t>所说：“变隶书之波画，加以点啄挑，仍存古隶之横直”。</a:t>
+            </a:r>
+            <a:endParaRPr kumimoji="1" lang="zh-CN" altLang="en-US"/>
+          </a:p>
+        </p:txBody>
+      </p:sp>
+    </p:spTree>
+    <p:extLst>
+      <p:ext uri="{BB962C8B-B14F-4D97-AF65-F5344CB8AC3E}">
+        <p14:creationId xmlns:p14="http://schemas.microsoft.com/office/powerpoint/2010/main" val="966027517"/>
+      </p:ext>
+    </p:extLst>
+  </p:cSld>
+  <p:clrMapOvr>
+    <a:masterClrMapping/>
+  </p:clrMapOvr>
+</p:sld>
+</file>
+
 <file path=ppt/theme/theme1.xml><?xml version="1.0" encoding="utf-8"?>
 <a:theme xmlns:a="http://schemas.openxmlformats.org/drawingml/2006/main" name="栖息地">
   <a:themeElements>

--- a/有趣的汉字.pptx
+++ b/有趣的汉字.pptx
@@ -11,6 +11,7 @@
     <p:sldId id="259" r:id="rId5"/>
     <p:sldId id="260" r:id="rId6"/>
     <p:sldId id="261" r:id="rId7"/>
+    <p:sldId id="262" r:id="rId8"/>
   </p:sldIdLst>
   <p:sldSz cx="9144000" cy="6858000" type="screen4x3"/>
   <p:notesSz cx="6858000" cy="9144000"/>
@@ -4971,20 +4972,20 @@
               <a:t>》</a:t>
             </a:r>
             <a:r>
-              <a:rPr lang="zh-CN" altLang="en-US"/>
+              <a:rPr lang="zh-CN" altLang="en-US" dirty="0"/>
               <a:t>等，可为代表作。观其特点，正如</a:t>
             </a:r>
             <a:r>
-              <a:rPr lang="zh-CN" altLang="en-US">
+              <a:rPr lang="zh-CN" altLang="en-US" dirty="0">
                 <a:hlinkClick r:id="rId19"/>
               </a:rPr>
               <a:t>翁方纲</a:t>
             </a:r>
             <a:r>
-              <a:rPr lang="zh-CN" altLang="en-US"/>
+              <a:rPr lang="zh-CN" altLang="en-US" dirty="0"/>
               <a:t>所说：“变隶书之波画，加以点啄挑，仍存古隶之横直”。</a:t>
             </a:r>
-            <a:endParaRPr kumimoji="1" lang="zh-CN" altLang="en-US"/>
+            <a:endParaRPr kumimoji="1" lang="zh-CN" altLang="en-US" dirty="0"/>
           </a:p>
         </p:txBody>
       </p:sp>
@@ -4992,6 +4993,268 @@
     <p:extLst>
       <p:ext uri="{BB962C8B-B14F-4D97-AF65-F5344CB8AC3E}">
         <p14:creationId xmlns:p14="http://schemas.microsoft.com/office/powerpoint/2010/main" val="966027517"/>
+      </p:ext>
+    </p:extLst>
+  </p:cSld>
+  <p:clrMapOvr>
+    <a:masterClrMapping/>
+  </p:clrMapOvr>
+</p:sld>
+</file>
+
+<file path=ppt/slides/slide7.xml><?xml version="1.0" encoding="utf-8"?>
+<p:sld xmlns:a="http://schemas.openxmlformats.org/drawingml/2006/main" xmlns:r="http://schemas.openxmlformats.org/officeDocument/2006/relationships" xmlns:p="http://schemas.openxmlformats.org/presentationml/2006/main">
+  <p:cSld>
+    <p:spTree>
+      <p:nvGrpSpPr>
+        <p:cNvPr id="1" name=""/>
+        <p:cNvGrpSpPr/>
+        <p:nvPr/>
+      </p:nvGrpSpPr>
+      <p:grpSpPr>
+        <a:xfrm>
+          <a:off x="0" y="0"/>
+          <a:ext cx="0" cy="0"/>
+          <a:chOff x="0" y="0"/>
+          <a:chExt cx="0" cy="0"/>
+        </a:xfrm>
+      </p:grpSpPr>
+      <p:sp>
+        <p:nvSpPr>
+          <p:cNvPr id="2" name="标题 1"/>
+          <p:cNvSpPr>
+            <a:spLocks noGrp="1"/>
+          </p:cNvSpPr>
+          <p:nvPr>
+            <p:ph type="title"/>
+          </p:nvPr>
+        </p:nvSpPr>
+        <p:spPr/>
+        <p:txBody>
+          <a:bodyPr/>
+          <a:lstStyle/>
+          <a:p>
+            <a:r>
+              <a:rPr kumimoji="1" lang="en-US" altLang="zh-CN" dirty="0" smtClean="0"/>
+              <a:t>2.</a:t>
+            </a:r>
+            <a:r>
+              <a:rPr kumimoji="1" lang="zh-CN" altLang="en-US" dirty="0" smtClean="0"/>
+              <a:t>汉字的来源</a:t>
+            </a:r>
+            <a:endParaRPr kumimoji="1" lang="zh-CN" altLang="en-US" dirty="0"/>
+          </a:p>
+        </p:txBody>
+      </p:sp>
+      <p:sp>
+        <p:nvSpPr>
+          <p:cNvPr id="3" name="内容占位符 2"/>
+          <p:cNvSpPr>
+            <a:spLocks noGrp="1"/>
+          </p:cNvSpPr>
+          <p:nvPr>
+            <p:ph idx="1"/>
+          </p:nvPr>
+        </p:nvSpPr>
+        <p:spPr/>
+        <p:txBody>
+          <a:bodyPr>
+            <a:normAutofit fontScale="85000" lnSpcReduction="10000"/>
+          </a:bodyPr>
+          <a:lstStyle/>
+          <a:p>
+            <a:r>
+              <a:rPr lang="zh-CN" altLang="en-US" b="1" dirty="0"/>
+              <a:t>考古发现</a:t>
+            </a:r>
+          </a:p>
+          <a:p>
+            <a:endParaRPr lang="en-US" altLang="zh-CN" dirty="0" smtClean="0"/>
+          </a:p>
+          <a:p>
+            <a:pPr marL="0" indent="0">
+              <a:buNone/>
+            </a:pPr>
+            <a:r>
+              <a:rPr lang="zh-CN" altLang="en-US" dirty="0" smtClean="0"/>
+              <a:t>中国</a:t>
+            </a:r>
+            <a:r>
+              <a:rPr lang="zh-CN" altLang="en-US" dirty="0"/>
+              <a:t>考古界先后发布了一系列较</a:t>
+            </a:r>
+            <a:r>
+              <a:rPr lang="zh-CN" altLang="en-US" dirty="0">
+                <a:hlinkClick r:id="rId2"/>
+              </a:rPr>
+              <a:t>殷墟甲骨文</a:t>
+            </a:r>
+            <a:r>
+              <a:rPr lang="zh-CN" altLang="en-US" dirty="0"/>
+              <a:t>更早、与文字起源有关的出土资料。</a:t>
+            </a:r>
+            <a:r>
+              <a:rPr lang="zh-CN" altLang="en-US" dirty="0">
+                <a:hlinkClick r:id="rId3"/>
+              </a:rPr>
+              <a:t>贾湖刻符</a:t>
+            </a:r>
+            <a:r>
+              <a:rPr lang="zh-CN" altLang="en-US" dirty="0"/>
+              <a:t>经碳</a:t>
+            </a:r>
+            <a:r>
+              <a:rPr lang="en-US" altLang="zh-CN" dirty="0"/>
+              <a:t>14</a:t>
+            </a:r>
+            <a:r>
+              <a:rPr lang="zh-CN" altLang="en-US" dirty="0"/>
+              <a:t>物理测定，距今约</a:t>
+            </a:r>
+            <a:r>
+              <a:rPr lang="en-US" altLang="zh-CN" dirty="0"/>
+              <a:t>7762</a:t>
+            </a:r>
+            <a:r>
+              <a:rPr lang="zh-CN" altLang="en-US" dirty="0"/>
+              <a:t>年（</a:t>
+            </a:r>
+            <a:r>
+              <a:rPr lang="en-US" altLang="zh-CN" dirty="0"/>
+              <a:t>±128</a:t>
+            </a:r>
+            <a:r>
+              <a:rPr lang="zh-CN" altLang="en-US" dirty="0"/>
+              <a:t>年）历史；还有七千年前的</a:t>
+            </a:r>
+            <a:r>
+              <a:rPr lang="zh-CN" altLang="en-US" dirty="0">
+                <a:hlinkClick r:id="rId4"/>
+              </a:rPr>
+              <a:t>双墩刻符</a:t>
+            </a:r>
+            <a:r>
+              <a:rPr lang="zh-CN" altLang="en-US" dirty="0"/>
+              <a:t>、六千年前的</a:t>
+            </a:r>
+            <a:r>
+              <a:rPr lang="zh-CN" altLang="en-US" dirty="0">
+                <a:hlinkClick r:id="rId5"/>
+              </a:rPr>
+              <a:t>半坡陶符</a:t>
+            </a:r>
+            <a:r>
+              <a:rPr lang="zh-CN" altLang="en-US" dirty="0"/>
+              <a:t>、五千多年前</a:t>
+            </a:r>
+            <a:r>
+              <a:rPr lang="zh-CN" altLang="en-US" dirty="0">
+                <a:hlinkClick r:id="rId6"/>
+              </a:rPr>
+              <a:t>青墩遗址</a:t>
+            </a:r>
+            <a:r>
+              <a:rPr lang="zh-CN" altLang="en-US" dirty="0"/>
+              <a:t>刻符、连字成句的</a:t>
+            </a:r>
+            <a:r>
+              <a:rPr lang="zh-CN" altLang="en-US" dirty="0">
+                <a:hlinkClick r:id="rId7"/>
+              </a:rPr>
+              <a:t>庄桥坟遗址</a:t>
+            </a:r>
+            <a:r>
+              <a:rPr lang="zh-CN" altLang="en-US" dirty="0"/>
+              <a:t>文字、</a:t>
+            </a:r>
+            <a:r>
+              <a:rPr lang="zh-CN" altLang="en-US" dirty="0">
+                <a:hlinkClick r:id="rId8"/>
+              </a:rPr>
+              <a:t>大汶口</a:t>
+            </a:r>
+            <a:r>
+              <a:rPr lang="zh-CN" altLang="en-US" dirty="0"/>
+              <a:t>陶尊符号、尧舜时代的</a:t>
+            </a:r>
+            <a:r>
+              <a:rPr lang="zh-CN" altLang="en-US" dirty="0">
+                <a:hlinkClick r:id="rId9"/>
+              </a:rPr>
+              <a:t>陶寺遗址</a:t>
+            </a:r>
+            <a:r>
+              <a:rPr lang="zh-CN" altLang="en-US" dirty="0"/>
+              <a:t>朱文、</a:t>
+            </a:r>
+            <a:r>
+              <a:rPr lang="zh-CN" altLang="en-US" dirty="0">
+                <a:hlinkClick r:id="rId10"/>
+              </a:rPr>
+              <a:t>夏墟</a:t>
+            </a:r>
+            <a:r>
+              <a:rPr lang="zh-CN" altLang="en-US" dirty="0"/>
+              <a:t>的</a:t>
+            </a:r>
+            <a:r>
+              <a:rPr lang="zh-CN" altLang="en-US" dirty="0">
+                <a:hlinkClick r:id="rId11"/>
+              </a:rPr>
+              <a:t>水书</a:t>
+            </a:r>
+            <a:r>
+              <a:rPr lang="zh-CN" altLang="en-US" dirty="0"/>
+              <a:t>。早期的</a:t>
+            </a:r>
+            <a:r>
+              <a:rPr lang="zh-CN" altLang="en-US" dirty="0">
+                <a:hlinkClick r:id="rId12"/>
+              </a:rPr>
+              <a:t>骨刻文</a:t>
+            </a:r>
+            <a:r>
+              <a:rPr lang="zh-CN" altLang="en-US" dirty="0"/>
+              <a:t>就是丰富的文字系统，后期的属于初步成熟阶段。这些考古发现可能是汉字起源的重要线索，也可能是各种文字发展的不同源流。</a:t>
+            </a:r>
+          </a:p>
+          <a:p>
+            <a:r>
+              <a:rPr lang="en-US" altLang="zh-CN" dirty="0"/>
+              <a:t>20</a:t>
+            </a:r>
+            <a:r>
+              <a:rPr lang="zh-CN" altLang="en-US" dirty="0"/>
+              <a:t>世纪</a:t>
+            </a:r>
+            <a:r>
+              <a:rPr lang="en-US" altLang="zh-CN" dirty="0"/>
+              <a:t>80</a:t>
+            </a:r>
+            <a:r>
+              <a:rPr lang="zh-CN" altLang="en-US" dirty="0"/>
+              <a:t>年代初，在河南</a:t>
+            </a:r>
+            <a:r>
+              <a:rPr lang="zh-CN" altLang="en-US" dirty="0">
+                <a:hlinkClick r:id="rId13"/>
+              </a:rPr>
+              <a:t>登封</a:t>
+            </a:r>
+            <a:r>
+              <a:rPr lang="zh-CN" altLang="en-US" dirty="0"/>
+              <a:t>夏文化遗址发掘出的陶器上，发现了更完备的文字。这是被学者们确认的迄今为止我国有确切时代的最早的文字</a:t>
+            </a:r>
+          </a:p>
+          <a:p>
+            <a:endParaRPr kumimoji="1" lang="zh-CN" altLang="en-US" dirty="0"/>
+          </a:p>
+        </p:txBody>
+      </p:sp>
+    </p:spTree>
+    <p:extLst>
+      <p:ext uri="{BB962C8B-B14F-4D97-AF65-F5344CB8AC3E}">
+        <p14:creationId xmlns:p14="http://schemas.microsoft.com/office/powerpoint/2010/main" val="1991621972"/>
       </p:ext>
     </p:extLst>
   </p:cSld>
